--- a/cmsc125/ostep/slides/01.Virtualization/10.Multiprocessor_Scheduling(Advanced).pptx
+++ b/cmsc125/ostep/slides/01.Virtualization/10.Multiprocessor_Scheduling(Advanced).pptx
@@ -259,7 +259,7 @@
           <a:p>
             <a:fld id="{050F0499-AE52-4672-879B-3107B2FC2A9F}" type="datetimeFigureOut">
               <a:rPr lang="ko-KR" altLang="en-US" smtClean="0"/>
-              <a:t>2021-07-20</a:t>
+              <a:t>2021-09-03</a:t>
             </a:fld>
             <a:endParaRPr lang="ko-KR" altLang="en-US"/>
           </a:p>
@@ -1669,7 +1669,7 @@
           <a:p>
             <a:r>
               <a:rPr lang="en-US" altLang="ko-KR" dirty="0"/>
-              <a:t>Don’t forget synchronization</a:t>
+              <a:t>Issue #2: Don’t forget synchronization</a:t>
             </a:r>
             <a:endParaRPr lang="ko-KR" altLang="en-US" dirty="0"/>
           </a:p>
@@ -1712,10 +1712,7 @@
               <a:rPr lang="en-US" altLang="ko-KR" u="sng" dirty="0"/>
               <a:t>guarantee correctness</a:t>
             </a:r>
-            <a:r>
-              <a:rPr lang="en-US" altLang="ko-KR" dirty="0"/>
-              <a:t>.</a:t>
-            </a:r>
+            <a:endParaRPr lang="en-US" altLang="ko-KR" dirty="0"/>
           </a:p>
         </p:txBody>
       </p:sp>
@@ -2483,7 +2480,7 @@
           <a:p>
             <a:r>
               <a:rPr lang="en-US" altLang="ko-KR" dirty="0"/>
-              <a:t>Don’t forget synchronization (Cont.)</a:t>
+              <a:t>Issue #2: Don’t forget synchronization (Cont.)</a:t>
             </a:r>
             <a:endParaRPr lang="ko-KR" altLang="en-US" dirty="0"/>
           </a:p>
@@ -2669,7 +2666,7 @@
                 <a:ea typeface="맑은 고딕" pitchFamily="50" charset="-127"/>
                 <a:cs typeface="Courier New" pitchFamily="49" charset="0"/>
               </a:rPr>
-              <a:t>pthread_mtuex_t</a:t>
+              <a:t>pthread_mutex_t</a:t>
             </a:r>
             <a:r>
               <a:rPr lang="en-US" altLang="ko-KR" sz="1200" dirty="0">
@@ -2983,223 +2980,223 @@
               <a:t>8		</a:t>
             </a:r>
             <a:r>
+              <a:rPr lang="en-US" altLang="ko-KR" sz="1200" b="1" dirty="0">
+                <a:solidFill>
+                  <a:srgbClr val="FF0000"/>
+                </a:solidFill>
+                <a:latin typeface="Courier New" pitchFamily="49" charset="0"/>
+                <a:ea typeface="맑은 고딕" pitchFamily="50" charset="-127"/>
+                <a:cs typeface="Courier New" pitchFamily="49" charset="0"/>
+              </a:rPr>
+              <a:t>lock(&amp;m);</a:t>
+            </a:r>
+          </a:p>
+          <a:p>
+            <a:r>
               <a:rPr lang="en-US" altLang="ko-KR" sz="1200" dirty="0">
                 <a:solidFill>
+                  <a:prstClr val="black"/>
+                </a:solidFill>
+                <a:latin typeface="Courier New" pitchFamily="49" charset="0"/>
+                <a:ea typeface="맑은 고딕" pitchFamily="50" charset="-127"/>
+                <a:cs typeface="Courier New" pitchFamily="49" charset="0"/>
+              </a:rPr>
+              <a:t>9 		</a:t>
+            </a:r>
+            <a:r>
+              <a:rPr lang="en-US" altLang="ko-KR" sz="1200" dirty="0" err="1">
+                <a:solidFill>
+                  <a:prstClr val="black"/>
+                </a:solidFill>
+                <a:latin typeface="Courier New" pitchFamily="49" charset="0"/>
+                <a:ea typeface="맑은 고딕" pitchFamily="50" charset="-127"/>
+                <a:cs typeface="Courier New" pitchFamily="49" charset="0"/>
+              </a:rPr>
+              <a:t>Node_t</a:t>
+            </a:r>
+            <a:r>
+              <a:rPr lang="en-US" altLang="ko-KR" sz="1200" dirty="0">
+                <a:solidFill>
+                  <a:prstClr val="black"/>
+                </a:solidFill>
+                <a:latin typeface="Courier New" pitchFamily="49" charset="0"/>
+                <a:ea typeface="맑은 고딕" pitchFamily="50" charset="-127"/>
+                <a:cs typeface="Courier New" pitchFamily="49" charset="0"/>
+              </a:rPr>
+              <a:t> *</a:t>
+            </a:r>
+            <a:r>
+              <a:rPr lang="en-US" altLang="ko-KR" sz="1200" dirty="0" err="1">
+                <a:solidFill>
+                  <a:prstClr val="black"/>
+                </a:solidFill>
+                <a:latin typeface="Courier New" pitchFamily="49" charset="0"/>
+                <a:ea typeface="맑은 고딕" pitchFamily="50" charset="-127"/>
+                <a:cs typeface="Courier New" pitchFamily="49" charset="0"/>
+              </a:rPr>
+              <a:t>tmp</a:t>
+            </a:r>
+            <a:r>
+              <a:rPr lang="en-US" altLang="ko-KR" sz="1200" dirty="0">
+                <a:solidFill>
+                  <a:prstClr val="black"/>
+                </a:solidFill>
+                <a:latin typeface="Courier New" pitchFamily="49" charset="0"/>
+                <a:ea typeface="맑은 고딕" pitchFamily="50" charset="-127"/>
+                <a:cs typeface="Courier New" pitchFamily="49" charset="0"/>
+              </a:rPr>
+              <a:t> = head; 	</a:t>
+            </a:r>
+            <a:r>
+              <a:rPr lang="en-US" altLang="ko-KR" sz="1200" dirty="0">
+                <a:solidFill>
+                  <a:srgbClr val="00B0F0"/>
+                </a:solidFill>
+                <a:latin typeface="Courier New" pitchFamily="49" charset="0"/>
+                <a:ea typeface="맑은 고딕" pitchFamily="50" charset="-127"/>
+                <a:cs typeface="Courier New" pitchFamily="49" charset="0"/>
+              </a:rPr>
+              <a:t>// remember old head ...</a:t>
+            </a:r>
+          </a:p>
+          <a:p>
+            <a:r>
+              <a:rPr lang="en-US" altLang="ko-KR" sz="1200" dirty="0">
+                <a:solidFill>
+                  <a:prstClr val="black"/>
+                </a:solidFill>
+                <a:latin typeface="Courier New" pitchFamily="49" charset="0"/>
+                <a:ea typeface="맑은 고딕" pitchFamily="50" charset="-127"/>
+                <a:cs typeface="Courier New" pitchFamily="49" charset="0"/>
+              </a:rPr>
+              <a:t>10 		</a:t>
+            </a:r>
+            <a:r>
+              <a:rPr lang="en-US" altLang="ko-KR" sz="1200" dirty="0" err="1">
+                <a:solidFill>
+                  <a:srgbClr val="00B050"/>
+                </a:solidFill>
+                <a:latin typeface="Courier New" pitchFamily="49" charset="0"/>
+                <a:ea typeface="맑은 고딕" pitchFamily="50" charset="-127"/>
+                <a:cs typeface="Courier New" pitchFamily="49" charset="0"/>
+              </a:rPr>
+              <a:t>int</a:t>
+            </a:r>
+            <a:r>
+              <a:rPr lang="en-US" altLang="ko-KR" sz="1200" dirty="0">
+                <a:solidFill>
+                  <a:prstClr val="black"/>
+                </a:solidFill>
+                <a:latin typeface="Courier New" pitchFamily="49" charset="0"/>
+                <a:ea typeface="맑은 고딕" pitchFamily="50" charset="-127"/>
+                <a:cs typeface="Courier New" pitchFamily="49" charset="0"/>
+              </a:rPr>
+              <a:t> value = head-&gt;value; 	</a:t>
+            </a:r>
+            <a:r>
+              <a:rPr lang="en-US" altLang="ko-KR" sz="1200" dirty="0">
+                <a:solidFill>
+                  <a:srgbClr val="00B0F0"/>
+                </a:solidFill>
+                <a:latin typeface="Courier New" pitchFamily="49" charset="0"/>
+                <a:ea typeface="맑은 고딕" pitchFamily="50" charset="-127"/>
+                <a:cs typeface="Courier New" pitchFamily="49" charset="0"/>
+              </a:rPr>
+              <a:t>// ... and its value</a:t>
+            </a:r>
+          </a:p>
+          <a:p>
+            <a:r>
+              <a:rPr lang="en-US" altLang="ko-KR" sz="1200" dirty="0">
+                <a:solidFill>
+                  <a:prstClr val="black"/>
+                </a:solidFill>
+                <a:latin typeface="Courier New" pitchFamily="49" charset="0"/>
+                <a:ea typeface="맑은 고딕" pitchFamily="50" charset="-127"/>
+                <a:cs typeface="Courier New" pitchFamily="49" charset="0"/>
+              </a:rPr>
+              <a:t>11 		head = head-&gt;next; 		</a:t>
+            </a:r>
+            <a:r>
+              <a:rPr lang="en-US" altLang="ko-KR" sz="1200" dirty="0">
+                <a:solidFill>
+                  <a:srgbClr val="00B0F0"/>
+                </a:solidFill>
+                <a:latin typeface="Courier New" pitchFamily="49" charset="0"/>
+                <a:ea typeface="맑은 고딕" pitchFamily="50" charset="-127"/>
+                <a:cs typeface="Courier New" pitchFamily="49" charset="0"/>
+              </a:rPr>
+              <a:t>// advance head to next pointer</a:t>
+            </a:r>
+          </a:p>
+          <a:p>
+            <a:r>
+              <a:rPr lang="en-US" altLang="ko-KR" sz="1200" dirty="0">
+                <a:solidFill>
+                  <a:prstClr val="black"/>
+                </a:solidFill>
+                <a:latin typeface="Courier New" pitchFamily="49" charset="0"/>
+                <a:ea typeface="맑은 고딕" pitchFamily="50" charset="-127"/>
+                <a:cs typeface="Courier New" pitchFamily="49" charset="0"/>
+              </a:rPr>
+              <a:t>12 		free(</a:t>
+            </a:r>
+            <a:r>
+              <a:rPr lang="en-US" altLang="ko-KR" sz="1200" dirty="0" err="1">
+                <a:solidFill>
+                  <a:prstClr val="black"/>
+                </a:solidFill>
+                <a:latin typeface="Courier New" pitchFamily="49" charset="0"/>
+                <a:ea typeface="맑은 고딕" pitchFamily="50" charset="-127"/>
+                <a:cs typeface="Courier New" pitchFamily="49" charset="0"/>
+              </a:rPr>
+              <a:t>tmp</a:t>
+            </a:r>
+            <a:r>
+              <a:rPr lang="en-US" altLang="ko-KR" sz="1200" dirty="0">
+                <a:solidFill>
+                  <a:prstClr val="black"/>
+                </a:solidFill>
+                <a:latin typeface="Courier New" pitchFamily="49" charset="0"/>
+                <a:ea typeface="맑은 고딕" pitchFamily="50" charset="-127"/>
+                <a:cs typeface="Courier New" pitchFamily="49" charset="0"/>
+              </a:rPr>
+              <a:t>); 		</a:t>
+            </a:r>
+            <a:r>
+              <a:rPr lang="en-US" altLang="ko-KR" sz="1200" dirty="0">
+                <a:solidFill>
+                  <a:srgbClr val="00B0F0"/>
+                </a:solidFill>
+                <a:latin typeface="Courier New" pitchFamily="49" charset="0"/>
+                <a:ea typeface="맑은 고딕" pitchFamily="50" charset="-127"/>
+                <a:cs typeface="Courier New" pitchFamily="49" charset="0"/>
+              </a:rPr>
+              <a:t>// free old head</a:t>
+            </a:r>
+          </a:p>
+          <a:p>
+            <a:r>
+              <a:rPr lang="en-US" altLang="ko-KR" sz="1200" dirty="0">
+                <a:solidFill>
+                  <a:prstClr val="black"/>
+                </a:solidFill>
+                <a:latin typeface="Courier New" pitchFamily="49" charset="0"/>
+                <a:ea typeface="맑은 고딕" pitchFamily="50" charset="-127"/>
+                <a:cs typeface="Courier New" pitchFamily="49" charset="0"/>
+              </a:rPr>
+              <a:t>13		</a:t>
+            </a:r>
+            <a:r>
+              <a:rPr lang="en-US" altLang="ko-KR" sz="1200" b="1" dirty="0">
+                <a:solidFill>
                   <a:srgbClr val="FF0000"/>
                 </a:solidFill>
                 <a:latin typeface="Courier New" pitchFamily="49" charset="0"/>
                 <a:ea typeface="맑은 고딕" pitchFamily="50" charset="-127"/>
                 <a:cs typeface="Courier New" pitchFamily="49" charset="0"/>
               </a:rPr>
-              <a:t>lock(&amp;m)</a:t>
-            </a:r>
-          </a:p>
-          <a:p>
-            <a:r>
-              <a:rPr lang="en-US" altLang="ko-KR" sz="1200" dirty="0">
-                <a:solidFill>
-                  <a:prstClr val="black"/>
-                </a:solidFill>
-                <a:latin typeface="Courier New" pitchFamily="49" charset="0"/>
-                <a:ea typeface="맑은 고딕" pitchFamily="50" charset="-127"/>
-                <a:cs typeface="Courier New" pitchFamily="49" charset="0"/>
-              </a:rPr>
-              <a:t>9 		</a:t>
-            </a:r>
-            <a:r>
-              <a:rPr lang="en-US" altLang="ko-KR" sz="1200" dirty="0" err="1">
-                <a:solidFill>
-                  <a:prstClr val="black"/>
-                </a:solidFill>
-                <a:latin typeface="Courier New" pitchFamily="49" charset="0"/>
-                <a:ea typeface="맑은 고딕" pitchFamily="50" charset="-127"/>
-                <a:cs typeface="Courier New" pitchFamily="49" charset="0"/>
-              </a:rPr>
-              <a:t>Node_t</a:t>
-            </a:r>
-            <a:r>
-              <a:rPr lang="en-US" altLang="ko-KR" sz="1200" dirty="0">
-                <a:solidFill>
-                  <a:prstClr val="black"/>
-                </a:solidFill>
-                <a:latin typeface="Courier New" pitchFamily="49" charset="0"/>
-                <a:ea typeface="맑은 고딕" pitchFamily="50" charset="-127"/>
-                <a:cs typeface="Courier New" pitchFamily="49" charset="0"/>
-              </a:rPr>
-              <a:t> *</a:t>
-            </a:r>
-            <a:r>
-              <a:rPr lang="en-US" altLang="ko-KR" sz="1200" dirty="0" err="1">
-                <a:solidFill>
-                  <a:prstClr val="black"/>
-                </a:solidFill>
-                <a:latin typeface="Courier New" pitchFamily="49" charset="0"/>
-                <a:ea typeface="맑은 고딕" pitchFamily="50" charset="-127"/>
-                <a:cs typeface="Courier New" pitchFamily="49" charset="0"/>
-              </a:rPr>
-              <a:t>tmp</a:t>
-            </a:r>
-            <a:r>
-              <a:rPr lang="en-US" altLang="ko-KR" sz="1200" dirty="0">
-                <a:solidFill>
-                  <a:prstClr val="black"/>
-                </a:solidFill>
-                <a:latin typeface="Courier New" pitchFamily="49" charset="0"/>
-                <a:ea typeface="맑은 고딕" pitchFamily="50" charset="-127"/>
-                <a:cs typeface="Courier New" pitchFamily="49" charset="0"/>
-              </a:rPr>
-              <a:t> = head; 	</a:t>
-            </a:r>
-            <a:r>
-              <a:rPr lang="en-US" altLang="ko-KR" sz="1200" dirty="0">
-                <a:solidFill>
-                  <a:srgbClr val="00B0F0"/>
-                </a:solidFill>
-                <a:latin typeface="Courier New" pitchFamily="49" charset="0"/>
-                <a:ea typeface="맑은 고딕" pitchFamily="50" charset="-127"/>
-                <a:cs typeface="Courier New" pitchFamily="49" charset="0"/>
-              </a:rPr>
-              <a:t>// remember old head ...</a:t>
-            </a:r>
-          </a:p>
-          <a:p>
-            <a:r>
-              <a:rPr lang="en-US" altLang="ko-KR" sz="1200" dirty="0">
-                <a:solidFill>
-                  <a:prstClr val="black"/>
-                </a:solidFill>
-                <a:latin typeface="Courier New" pitchFamily="49" charset="0"/>
-                <a:ea typeface="맑은 고딕" pitchFamily="50" charset="-127"/>
-                <a:cs typeface="Courier New" pitchFamily="49" charset="0"/>
-              </a:rPr>
-              <a:t>10 		</a:t>
-            </a:r>
-            <a:r>
-              <a:rPr lang="en-US" altLang="ko-KR" sz="1200" dirty="0" err="1">
-                <a:solidFill>
-                  <a:srgbClr val="00B050"/>
-                </a:solidFill>
-                <a:latin typeface="Courier New" pitchFamily="49" charset="0"/>
-                <a:ea typeface="맑은 고딕" pitchFamily="50" charset="-127"/>
-                <a:cs typeface="Courier New" pitchFamily="49" charset="0"/>
-              </a:rPr>
-              <a:t>int</a:t>
-            </a:r>
-            <a:r>
-              <a:rPr lang="en-US" altLang="ko-KR" sz="1200" dirty="0">
-                <a:solidFill>
-                  <a:prstClr val="black"/>
-                </a:solidFill>
-                <a:latin typeface="Courier New" pitchFamily="49" charset="0"/>
-                <a:ea typeface="맑은 고딕" pitchFamily="50" charset="-127"/>
-                <a:cs typeface="Courier New" pitchFamily="49" charset="0"/>
-              </a:rPr>
-              <a:t> value = head-&gt;value; 	</a:t>
-            </a:r>
-            <a:r>
-              <a:rPr lang="en-US" altLang="ko-KR" sz="1200" dirty="0">
-                <a:solidFill>
-                  <a:srgbClr val="00B0F0"/>
-                </a:solidFill>
-                <a:latin typeface="Courier New" pitchFamily="49" charset="0"/>
-                <a:ea typeface="맑은 고딕" pitchFamily="50" charset="-127"/>
-                <a:cs typeface="Courier New" pitchFamily="49" charset="0"/>
-              </a:rPr>
-              <a:t>// ... and its value</a:t>
-            </a:r>
-          </a:p>
-          <a:p>
-            <a:r>
-              <a:rPr lang="en-US" altLang="ko-KR" sz="1200" dirty="0">
-                <a:solidFill>
-                  <a:prstClr val="black"/>
-                </a:solidFill>
-                <a:latin typeface="Courier New" pitchFamily="49" charset="0"/>
-                <a:ea typeface="맑은 고딕" pitchFamily="50" charset="-127"/>
-                <a:cs typeface="Courier New" pitchFamily="49" charset="0"/>
-              </a:rPr>
-              <a:t>11 		head = head-&gt;next; 		</a:t>
-            </a:r>
-            <a:r>
-              <a:rPr lang="en-US" altLang="ko-KR" sz="1200" dirty="0">
-                <a:solidFill>
-                  <a:srgbClr val="00B0F0"/>
-                </a:solidFill>
-                <a:latin typeface="Courier New" pitchFamily="49" charset="0"/>
-                <a:ea typeface="맑은 고딕" pitchFamily="50" charset="-127"/>
-                <a:cs typeface="Courier New" pitchFamily="49" charset="0"/>
-              </a:rPr>
-              <a:t>// advance head to next pointer</a:t>
-            </a:r>
-          </a:p>
-          <a:p>
-            <a:r>
-              <a:rPr lang="en-US" altLang="ko-KR" sz="1200" dirty="0">
-                <a:solidFill>
-                  <a:prstClr val="black"/>
-                </a:solidFill>
-                <a:latin typeface="Courier New" pitchFamily="49" charset="0"/>
-                <a:ea typeface="맑은 고딕" pitchFamily="50" charset="-127"/>
-                <a:cs typeface="Courier New" pitchFamily="49" charset="0"/>
-              </a:rPr>
-              <a:t>12 		free(</a:t>
-            </a:r>
-            <a:r>
-              <a:rPr lang="en-US" altLang="ko-KR" sz="1200" dirty="0" err="1">
-                <a:solidFill>
-                  <a:prstClr val="black"/>
-                </a:solidFill>
-                <a:latin typeface="Courier New" pitchFamily="49" charset="0"/>
-                <a:ea typeface="맑은 고딕" pitchFamily="50" charset="-127"/>
-                <a:cs typeface="Courier New" pitchFamily="49" charset="0"/>
-              </a:rPr>
-              <a:t>tmp</a:t>
-            </a:r>
-            <a:r>
-              <a:rPr lang="en-US" altLang="ko-KR" sz="1200" dirty="0">
-                <a:solidFill>
-                  <a:prstClr val="black"/>
-                </a:solidFill>
-                <a:latin typeface="Courier New" pitchFamily="49" charset="0"/>
-                <a:ea typeface="맑은 고딕" pitchFamily="50" charset="-127"/>
-                <a:cs typeface="Courier New" pitchFamily="49" charset="0"/>
-              </a:rPr>
-              <a:t>); 		</a:t>
-            </a:r>
-            <a:r>
-              <a:rPr lang="en-US" altLang="ko-KR" sz="1200" dirty="0">
-                <a:solidFill>
-                  <a:srgbClr val="00B0F0"/>
-                </a:solidFill>
-                <a:latin typeface="Courier New" pitchFamily="49" charset="0"/>
-                <a:ea typeface="맑은 고딕" pitchFamily="50" charset="-127"/>
-                <a:cs typeface="Courier New" pitchFamily="49" charset="0"/>
-              </a:rPr>
-              <a:t>// free old head</a:t>
-            </a:r>
-          </a:p>
-          <a:p>
-            <a:r>
-              <a:rPr lang="en-US" altLang="ko-KR" sz="1200" dirty="0">
-                <a:solidFill>
-                  <a:prstClr val="black"/>
-                </a:solidFill>
-                <a:latin typeface="Courier New" pitchFamily="49" charset="0"/>
-                <a:ea typeface="맑은 고딕" pitchFamily="50" charset="-127"/>
-                <a:cs typeface="Courier New" pitchFamily="49" charset="0"/>
-              </a:rPr>
-              <a:t>13		</a:t>
-            </a:r>
-            <a:r>
-              <a:rPr lang="en-US" altLang="ko-KR" sz="1200" dirty="0">
-                <a:solidFill>
-                  <a:srgbClr val="FF0000"/>
-                </a:solidFill>
-                <a:latin typeface="Courier New" pitchFamily="49" charset="0"/>
-                <a:ea typeface="맑은 고딕" pitchFamily="50" charset="-127"/>
-                <a:cs typeface="Courier New" pitchFamily="49" charset="0"/>
-              </a:rPr>
-              <a:t>unlock(&amp;m)</a:t>
+              <a:t>unlock(&amp;m);</a:t>
             </a:r>
           </a:p>
           <a:p>
@@ -3358,7 +3355,7 @@
           <a:p>
             <a:r>
               <a:rPr lang="en-US" altLang="ko-KR" dirty="0"/>
-              <a:t>Cache Affinity</a:t>
+              <a:t>Issue #3: Cache Affinity</a:t>
             </a:r>
             <a:endParaRPr lang="ko-KR" altLang="en-US" dirty="0"/>
           </a:p>
@@ -3394,7 +3391,7 @@
               <a:t>the same CPU </a:t>
             </a:r>
             <a:r>
-              <a:rPr lang="en-US" altLang="ko-KR" dirty="0"/>
+              <a:rPr lang="en-US" altLang="ko-KR" u="sng" dirty="0"/>
               <a:t>if at all possible</a:t>
             </a:r>
           </a:p>
@@ -3576,7 +3573,7 @@
           <a:p>
             <a:r>
               <a:rPr lang="en-US" altLang="ko-KR" dirty="0"/>
-              <a:t>Single queue Multiprocessor Scheduling (SQMS)</a:t>
+              <a:t>Single Queue Multiprocessor Scheduling (SQMS)</a:t>
             </a:r>
             <a:endParaRPr lang="ko-KR" altLang="en-US" dirty="0"/>
           </a:p>
@@ -3620,7 +3617,22 @@
             <a:pPr lvl="1"/>
             <a:r>
               <a:rPr lang="en-US" altLang="ko-KR" dirty="0"/>
-              <a:t>Each CPU simply picks the next job from the globally shared queue.</a:t>
+              <a:t>Each CPU simply picks the next job from the </a:t>
+            </a:r>
+            <a:r>
+              <a:rPr lang="en-US" altLang="ko-KR" u="sng" dirty="0"/>
+              <a:t>globally shared queue</a:t>
+            </a:r>
+            <a:r>
+              <a:rPr lang="en-US" altLang="ko-KR" dirty="0"/>
+              <a:t>.</a:t>
+            </a:r>
+          </a:p>
+          <a:p>
+            <a:pPr lvl="1"/>
+            <a:r>
+              <a:rPr lang="en-US" altLang="ko-KR" dirty="0"/>
+              <a:t>Pros: Simple</a:t>
             </a:r>
           </a:p>
           <a:p>
@@ -3634,6 +3646,18 @@
             <a:pPr lvl="2"/>
             <a:r>
               <a:rPr lang="en-US" altLang="ko-KR" dirty="0"/>
+              <a:t>(1)</a:t>
+            </a:r>
+            <a:r>
+              <a:rPr lang="en-US" altLang="ko-KR" dirty="0">
+                <a:solidFill>
+                  <a:srgbClr val="FF0000"/>
+                </a:solidFill>
+              </a:rPr>
+              <a:t> Lack of scalability  - </a:t>
+            </a:r>
+            <a:r>
+              <a:rPr lang="en-US" altLang="ko-KR" dirty="0"/>
               <a:t>Some form of </a:t>
             </a:r>
             <a:r>
@@ -3642,47 +3666,38 @@
             </a:r>
             <a:r>
               <a:rPr lang="en-US" altLang="ko-KR" dirty="0"/>
-              <a:t> have to be inserted </a:t>
+              <a:t> needs to be inserted</a:t>
+            </a:r>
+            <a:endParaRPr lang="en-US" altLang="ko-KR" dirty="0">
+              <a:solidFill>
+                <a:srgbClr val="FF0000"/>
+              </a:solidFill>
+            </a:endParaRPr>
+          </a:p>
+          <a:p>
+            <a:pPr lvl="2"/>
+            <a:r>
+              <a:rPr lang="en-US" altLang="ko-KR" dirty="0"/>
+              <a:t>(2)</a:t>
             </a:r>
             <a:r>
               <a:rPr lang="en-US" altLang="ko-KR" dirty="0">
-                <a:sym typeface="Wingdings" pitchFamily="2" charset="2"/>
-              </a:rPr>
-              <a:t> </a:t>
-            </a:r>
-            <a:r>
-              <a:rPr lang="en-US" altLang="ko-KR" dirty="0">
                 <a:solidFill>
                   <a:srgbClr val="FF0000"/>
                 </a:solidFill>
               </a:rPr>
-              <a:t>Lack of scalability</a:t>
-            </a:r>
-          </a:p>
-          <a:p>
-            <a:pPr lvl="2"/>
-            <a:r>
-              <a:rPr lang="en-US" altLang="ko-KR" dirty="0">
-                <a:solidFill>
-                  <a:srgbClr val="FF0000"/>
-                </a:solidFill>
-              </a:rPr>
-              <a:t>Cache affinity</a:t>
-            </a:r>
-          </a:p>
-          <a:p>
-            <a:pPr lvl="2"/>
+              <a:t> Cache affinity</a:t>
+            </a:r>
+          </a:p>
+          <a:p>
+            <a:pPr lvl="3"/>
             <a:r>
               <a:rPr lang="en-US" altLang="ko-KR" dirty="0"/>
               <a:t>Example:</a:t>
             </a:r>
           </a:p>
           <a:p>
-            <a:pPr lvl="2"/>
-            <a:endParaRPr lang="en-US" altLang="ko-KR" dirty="0"/>
-          </a:p>
-          <a:p>
-            <a:pPr lvl="2"/>
+            <a:pPr lvl="3"/>
             <a:r>
               <a:rPr lang="en-US" altLang="ko-KR" dirty="0"/>
               <a:t>Possible job scheduler across CPUs:</a:t>
@@ -5593,7 +5608,7 @@
             <a:pPr lvl="2"/>
             <a:r>
               <a:rPr lang="en-US" altLang="ko-KR" dirty="0"/>
-              <a:t>Only job e Migrating from CPU to CPU.</a:t>
+              <a:t>Only job E Migrating from CPU to CPU.</a:t>
             </a:r>
           </a:p>
           <a:p>
@@ -7460,7 +7475,7 @@
           <a:p>
             <a:r>
               <a:rPr lang="en-US" altLang="ko-KR" dirty="0"/>
-              <a:t>Multi-queue Multiprocessor Scheduling (MQMS)</a:t>
+              <a:t>Multi-Queue Multiprocessor Scheduling (MQMS)</a:t>
             </a:r>
             <a:endParaRPr lang="ko-KR" altLang="en-US" dirty="0"/>
           </a:p>
@@ -13269,7 +13284,7 @@
           <a:p>
             <a:r>
               <a:rPr lang="en-US" altLang="ko-KR" dirty="0"/>
-              <a:t>A more tricky case:</a:t>
+              <a:t>A more tricky case: Single process migration will not solve the problem</a:t>
             </a:r>
           </a:p>
           <a:p>
@@ -13288,7 +13303,7 @@
             <a:pPr lvl="1"/>
             <a:r>
               <a:rPr lang="en-US" altLang="ko-KR" dirty="0"/>
-              <a:t>Keep switching jobs</a:t>
+              <a:t>Keep switching jobs (continuously)</a:t>
             </a:r>
             <a:endParaRPr lang="ko-KR" altLang="en-US" dirty="0"/>
           </a:p>
@@ -15241,14 +15256,14 @@
             </a:r>
             <a:r>
               <a:rPr lang="en-US" altLang="ko-KR" dirty="0"/>
-              <a:t> is picked.</a:t>
+              <a:t> is picked</a:t>
             </a:r>
           </a:p>
           <a:p>
             <a:pPr lvl="2"/>
             <a:r>
               <a:rPr lang="en-US" altLang="ko-KR" dirty="0"/>
-              <a:t>The source queue occasionally peeks at another target queue.</a:t>
+              <a:t>The source queue occasionally peeks at another target queue</a:t>
             </a:r>
           </a:p>
           <a:p>
@@ -15271,7 +15286,7 @@
             </a:r>
             <a:r>
               <a:rPr lang="en-US" altLang="ko-KR" dirty="0"/>
-              <a:t>” one or more jobs from the target queue.</a:t>
+              <a:t>” one or more jobs from the target queue</a:t>
             </a:r>
           </a:p>
           <a:p>
@@ -15989,7 +16004,7 @@
           <a:p>
             <a:r>
               <a:rPr lang="en-US" altLang="ko-KR" dirty="0"/>
-              <a:t>Single CPU with cache</a:t>
+              <a:t>Background: Single CPU with Cache</a:t>
             </a:r>
             <a:endParaRPr lang="ko-KR" altLang="en-US" dirty="0"/>
           </a:p>
@@ -16491,7 +16506,7 @@
                 <a:latin typeface="맑은 고딕" pitchFamily="50" charset="-127"/>
                 <a:ea typeface="맑은 고딕" pitchFamily="50" charset="-127"/>
               </a:rPr>
-              <a:t>Access to main memory is slower than cache.</a:t>
+              <a:t>Access to main memory is slower than cache</a:t>
             </a:r>
           </a:p>
         </p:txBody>
@@ -16712,7 +16727,7 @@
           <a:p>
             <a:r>
               <a:rPr lang="en-US" altLang="ko-KR" dirty="0"/>
-              <a:t>Cache coherence</a:t>
+              <a:t>Issue #1: Cache Coherence</a:t>
             </a:r>
             <a:endParaRPr lang="ko-KR" altLang="en-US" dirty="0"/>
           </a:p>
@@ -17642,7 +17657,7 @@
                 <a:latin typeface="맑은 고딕" pitchFamily="50" charset="-127"/>
                 <a:ea typeface="맑은 고딕" pitchFamily="50" charset="-127"/>
               </a:rPr>
-              <a:t>1. CPU0 reads a data at address 1.</a:t>
+              <a:t>1. CPU0 reads a data at address 1</a:t>
             </a:r>
             <a:endParaRPr lang="ko-KR" altLang="en-US" sz="1600" dirty="0">
               <a:solidFill>
@@ -19496,7 +19511,7 @@
           <a:p>
             <a:r>
               <a:rPr lang="en-US" altLang="ko-KR" dirty="0"/>
-              <a:t>Cache coherence (Cont.)</a:t>
+              <a:t>Issue #1: : Cache coherence (Cont.)</a:t>
             </a:r>
             <a:endParaRPr lang="ko-KR" altLang="en-US" dirty="0"/>
           </a:p>
@@ -20171,8 +20186,8 @@
           </a:fontRef>
         </p:style>
       </p:cxnSp>
-      <mc:AlternateContent xmlns:mc="http://schemas.openxmlformats.org/markup-compatibility/2006" xmlns:a14="http://schemas.microsoft.com/office/drawing/2010/main">
-        <mc:Choice Requires="a14">
+      <mc:AlternateContent xmlns:mc="http://schemas.openxmlformats.org/markup-compatibility/2006">
+        <mc:Choice xmlns:a14="http://schemas.microsoft.com/office/drawing/2010/main" Requires="a14">
           <p:sp>
             <p:nvSpPr>
               <p:cNvPr id="22" name="TextBox 21"/>
@@ -20182,7 +20197,7 @@
             <p:spPr>
               <a:xfrm>
                 <a:off x="1703512" y="1700808"/>
-                <a:ext cx="4176464" cy="338554"/>
+                <a:ext cx="4176464" cy="584775"/>
               </a:xfrm>
               <a:prstGeom prst="rect">
                 <a:avLst/>
@@ -20237,7 +20252,39 @@
                     <a:latin typeface="맑은 고딕" pitchFamily="50" charset="-127"/>
                     <a:ea typeface="맑은 고딕" pitchFamily="50" charset="-127"/>
                   </a:rPr>
-                  <a:t>is updated and CPU1 is scheduled.</a:t>
+                  <a:t>is updated (</a:t>
+                </a:r>
+                <a14:m>
+                  <m:oMath xmlns:m="http://schemas.openxmlformats.org/officeDocument/2006/math">
+                    <m:r>
+                      <a:rPr lang="en-US" altLang="ko-KR" sz="1600" i="1" smtClean="0">
+                        <a:solidFill>
+                          <a:srgbClr val="C00000"/>
+                        </a:solidFill>
+                        <a:latin typeface="Cambria Math"/>
+                      </a:rPr>
+                      <m:t>𝐷</m:t>
+                    </m:r>
+                    <m:r>
+                      <a:rPr lang="en-US" altLang="ko-KR" sz="1600" i="1" smtClean="0">
+                        <a:solidFill>
+                          <a:srgbClr val="C00000"/>
+                        </a:solidFill>
+                        <a:latin typeface="Cambria Math"/>
+                      </a:rPr>
+                      <m:t>′</m:t>
+                    </m:r>
+                  </m:oMath>
+                </a14:m>
+                <a:r>
+                  <a:rPr lang="en-US" altLang="ko-KR" sz="1600" dirty="0">
+                    <a:solidFill>
+                      <a:prstClr val="black"/>
+                    </a:solidFill>
+                    <a:latin typeface="맑은 고딕" pitchFamily="50" charset="-127"/>
+                    <a:ea typeface="맑은 고딕" pitchFamily="50" charset="-127"/>
+                  </a:rPr>
+                  <a:t>) and CPU1 is scheduled</a:t>
                 </a:r>
                 <a:endParaRPr lang="ko-KR" altLang="en-US" sz="1600" dirty="0">
                   <a:solidFill>
@@ -20250,7 +20297,7 @@
             </p:txBody>
           </p:sp>
         </mc:Choice>
-        <mc:Fallback xmlns="">
+        <mc:Fallback>
           <p:sp>
             <p:nvSpPr>
               <p:cNvPr id="22" name="TextBox 21"/>
@@ -20262,7 +20309,7 @@
             <p:spPr>
               <a:xfrm>
                 <a:off x="1703512" y="1700808"/>
-                <a:ext cx="4176464" cy="338554"/>
+                <a:ext cx="4176464" cy="584775"/>
               </a:xfrm>
               <a:prstGeom prst="rect">
                 <a:avLst/>
@@ -20270,7 +20317,7 @@
               <a:blipFill>
                 <a:blip r:embed="rId3"/>
                 <a:stretch>
-                  <a:fillRect l="-729" t="-5357" b="-21429"/>
+                  <a:fillRect l="-729" t="-3125" b="-12500"/>
                 </a:stretch>
               </a:blipFill>
             </p:spPr>
@@ -22323,8 +22370,8 @@
           </p:sp>
         </mc:Fallback>
       </mc:AlternateContent>
-      <mc:AlternateContent xmlns:mc="http://schemas.openxmlformats.org/markup-compatibility/2006" xmlns:a14="http://schemas.microsoft.com/office/drawing/2010/main">
-        <mc:Choice Requires="a14">
+      <mc:AlternateContent xmlns:mc="http://schemas.openxmlformats.org/markup-compatibility/2006">
+        <mc:Choice xmlns:a14="http://schemas.microsoft.com/office/drawing/2010/main" Requires="a14">
           <p:sp>
             <p:nvSpPr>
               <p:cNvPr id="75" name="모서리가 둥근 직사각형 74"/>
@@ -22455,21 +22502,18 @@
                     </m:r>
                   </m:oMath>
                 </a14:m>
-                <a:r>
-                  <a:rPr lang="en-US" altLang="ko-KR" sz="1600" b="1" dirty="0">
-                    <a:solidFill>
-                      <a:prstClr val="black"/>
-                    </a:solidFill>
-                    <a:latin typeface="맑은 고딕" panose="020B0503020000020004" pitchFamily="50" charset="-127"/>
-                    <a:ea typeface="맑은 고딕" panose="020B0503020000020004" pitchFamily="50" charset="-127"/>
-                  </a:rPr>
-                  <a:t>.</a:t>
-                </a:r>
+                <a:endParaRPr lang="en-US" altLang="ko-KR" sz="1600" b="1" dirty="0">
+                  <a:solidFill>
+                    <a:prstClr val="black"/>
+                  </a:solidFill>
+                  <a:latin typeface="맑은 고딕" panose="020B0503020000020004" pitchFamily="50" charset="-127"/>
+                  <a:ea typeface="맑은 고딕" panose="020B0503020000020004" pitchFamily="50" charset="-127"/>
+                </a:endParaRPr>
               </a:p>
             </p:txBody>
           </p:sp>
         </mc:Choice>
-        <mc:Fallback xmlns="">
+        <mc:Fallback>
           <p:sp>
             <p:nvSpPr>
               <p:cNvPr id="75" name="모서리가 둥근 직사각형 74"/>
@@ -22568,7 +22612,7 @@
           <a:p>
             <a:r>
               <a:rPr lang="en-US" altLang="ko-KR" dirty="0"/>
-              <a:t>Cache coherence solution</a:t>
+              <a:t>Issue #1 : Cache Coherence</a:t>
             </a:r>
             <a:endParaRPr lang="ko-KR" altLang="en-US" dirty="0"/>
           </a:p>
@@ -22590,8 +22634,8 @@
           <a:lstStyle/>
           <a:p>
             <a:r>
-              <a:rPr lang="en-US" altLang="ko-KR" dirty="0"/>
-              <a:t>Bus snooping</a:t>
+              <a:rPr lang="en-US" altLang="ko-KR" b="1" dirty="0"/>
+              <a:t>Solution: Bus snooping</a:t>
             </a:r>
           </a:p>
           <a:p>
@@ -22604,10 +22648,7 @@
               <a:rPr lang="en-US" altLang="ko-KR" b="1" dirty="0"/>
               <a:t>observing the bus</a:t>
             </a:r>
-            <a:r>
-              <a:rPr lang="en-US" altLang="ko-KR" dirty="0"/>
-              <a:t>.</a:t>
-            </a:r>
+            <a:endParaRPr lang="en-US" altLang="ko-KR" dirty="0"/>
           </a:p>
           <a:p>
             <a:pPr lvl="1"/>
@@ -22629,7 +22670,7 @@
             </a:r>
             <a:r>
               <a:rPr lang="en-US" altLang="ko-KR" dirty="0"/>
-              <a:t> it.</a:t>
+              <a:t> it</a:t>
             </a:r>
           </a:p>
         </p:txBody>

--- a/cmsc125/ostep/slides/01.Virtualization/10.Multiprocessor_Scheduling(Advanced).pptx
+++ b/cmsc125/ostep/slides/01.Virtualization/10.Multiprocessor_Scheduling(Advanced).pptx
@@ -5,7 +5,7 @@
     <p:sldMasterId id="2147483670" r:id="rId1"/>
   </p:sldMasterIdLst>
   <p:notesMasterIdLst>
-    <p:notesMasterId r:id="rId24"/>
+    <p:notesMasterId r:id="rId25"/>
   </p:notesMasterIdLst>
   <p:sldIdLst>
     <p:sldId id="298" r:id="rId2"/>
@@ -30,6 +30,7 @@
     <p:sldId id="285" r:id="rId21"/>
     <p:sldId id="286" r:id="rId22"/>
     <p:sldId id="287" r:id="rId23"/>
+    <p:sldId id="300" r:id="rId24"/>
   </p:sldIdLst>
   <p:sldSz cx="12192000" cy="6858000"/>
   <p:notesSz cx="6797675" cy="9928225"/>
@@ -259,7 +260,7 @@
           <a:p>
             <a:fld id="{050F0499-AE52-4672-879B-3107B2FC2A9F}" type="datetimeFigureOut">
               <a:rPr lang="ko-KR" altLang="en-US" smtClean="0"/>
-              <a:t>2021-09-03</a:t>
+              <a:t>2021-09-06</a:t>
             </a:fld>
             <a:endParaRPr lang="ko-KR" altLang="en-US"/>
           </a:p>
@@ -3407,7 +3408,7 @@
             </a:r>
             <a:r>
               <a:rPr lang="en-US" altLang="ko-KR" dirty="0"/>
-              <a:t> of a CPU.</a:t>
+              <a:t> of a CPU</a:t>
             </a:r>
           </a:p>
           <a:p>
@@ -3422,7 +3423,7 @@
             </a:r>
             <a:r>
               <a:rPr lang="en-US" altLang="ko-KR" dirty="0"/>
-              <a:t>in the cache on that CPU.</a:t>
+              <a:t>in the cache on that CPU</a:t>
             </a:r>
             <a:endParaRPr lang="ko-KR" altLang="en-US" dirty="0"/>
           </a:p>
@@ -3573,7 +3574,7 @@
           <a:p>
             <a:r>
               <a:rPr lang="en-US" altLang="ko-KR" dirty="0"/>
-              <a:t>Single Queue Multiprocessor Scheduling (SQMS)</a:t>
+              <a:t>Approach #1: Single Queue Multiprocessor Scheduling (SQMS)</a:t>
             </a:r>
             <a:endParaRPr lang="ko-KR" altLang="en-US" dirty="0"/>
           </a:p>
@@ -3686,7 +3687,7 @@
                   <a:srgbClr val="FF0000"/>
                 </a:solidFill>
               </a:rPr>
-              <a:t> Cache affinity</a:t>
+              <a:t> Cache affinity issue</a:t>
             </a:r>
           </a:p>
           <a:p>
@@ -3700,7 +3701,7 @@
             <a:pPr lvl="3"/>
             <a:r>
               <a:rPr lang="en-US" altLang="ko-KR" dirty="0"/>
-              <a:t>Possible job scheduler across CPUs:</a:t>
+              <a:t>Possible process schedules across CPUs:</a:t>
             </a:r>
           </a:p>
           <a:p>
@@ -5589,26 +5590,22 @@
             <a:pPr lvl="1"/>
             <a:r>
               <a:rPr lang="en-US" altLang="ko-KR" u="sng" dirty="0"/>
-              <a:t>Preserving affinity</a:t>
-            </a:r>
+              <a:t>Solution: Preserve affinity for most processes</a:t>
+            </a:r>
+            <a:endParaRPr lang="ko-KR" altLang="en-US" u="sng" dirty="0"/>
+          </a:p>
+          <a:p>
+            <a:pPr lvl="2"/>
             <a:r>
               <a:rPr lang="en-US" altLang="ko-KR" dirty="0"/>
-              <a:t> for most</a:t>
-            </a:r>
-            <a:endParaRPr lang="ko-KR" altLang="en-US" dirty="0"/>
+              <a:t>Process A through D are not moved across processors</a:t>
+            </a:r>
           </a:p>
           <a:p>
             <a:pPr lvl="2"/>
             <a:r>
               <a:rPr lang="en-US" altLang="ko-KR" dirty="0"/>
-              <a:t>Jobs A through D are not moved across processors.</a:t>
-            </a:r>
-          </a:p>
-          <a:p>
-            <a:pPr lvl="2"/>
-            <a:r>
-              <a:rPr lang="en-US" altLang="ko-KR" dirty="0"/>
-              <a:t>Only job E Migrating from CPU to CPU.</a:t>
+              <a:t>Only process E migrates from CPU to CPU</a:t>
             </a:r>
           </a:p>
           <a:p>
@@ -5620,10 +5617,6 @@
             <a:r>
               <a:rPr lang="en-US" altLang="ko-KR" b="1" dirty="0"/>
               <a:t>complex</a:t>
-            </a:r>
-            <a:r>
-              <a:rPr lang="en-US" altLang="ko-KR" dirty="0"/>
-              <a:t>.</a:t>
             </a:r>
             <a:endParaRPr lang="ko-KR" altLang="en-US" dirty="0"/>
           </a:p>
@@ -7475,7 +7468,7 @@
           <a:p>
             <a:r>
               <a:rPr lang="en-US" altLang="ko-KR" dirty="0"/>
-              <a:t>Multi-Queue Multiprocessor Scheduling (MQMS)</a:t>
+              <a:t>Approach #2: Multi-Queue Multiprocessor Scheduling (MQMS)</a:t>
             </a:r>
             <a:endParaRPr lang="ko-KR" altLang="en-US" dirty="0"/>
           </a:p>
@@ -7510,23 +7503,20 @@
               </a:rPr>
               <a:t>multiple scheduling queues</a:t>
             </a:r>
+            <a:endParaRPr lang="en-US" altLang="ko-KR" dirty="0"/>
+          </a:p>
+          <a:p>
+            <a:pPr lvl="1"/>
             <a:r>
               <a:rPr lang="en-US" altLang="ko-KR" dirty="0"/>
-              <a:t>.</a:t>
+              <a:t>Each queue will follow a particular scheduling discipline</a:t>
             </a:r>
           </a:p>
           <a:p>
             <a:pPr lvl="1"/>
             <a:r>
               <a:rPr lang="en-US" altLang="ko-KR" dirty="0"/>
-              <a:t>Each queue will follow a particular scheduling discipline.</a:t>
-            </a:r>
-          </a:p>
-          <a:p>
-            <a:pPr lvl="1"/>
-            <a:r>
-              <a:rPr lang="en-US" altLang="ko-KR" dirty="0"/>
-              <a:t>When a job enters the system, it is placed on </a:t>
+              <a:t>When a process enters the system, it is placed on </a:t>
             </a:r>
             <a:r>
               <a:rPr lang="en-US" altLang="ko-KR" b="1" dirty="0"/>
@@ -7534,14 +7524,14 @@
             </a:r>
             <a:r>
               <a:rPr lang="en-US" altLang="ko-KR" dirty="0"/>
-              <a:t>scheduling queue.</a:t>
+              <a:t>scheduling queue</a:t>
             </a:r>
           </a:p>
           <a:p>
             <a:pPr lvl="1"/>
             <a:r>
               <a:rPr lang="en-US" altLang="ko-KR" dirty="0"/>
-              <a:t>Avoid the problems of </a:t>
+              <a:t>Avoids the problems of </a:t>
             </a:r>
             <a:r>
               <a:rPr lang="en-US" altLang="ko-KR" u="sng" dirty="0"/>
@@ -9330,7 +9320,7 @@
           <a:p>
             <a:r>
               <a:rPr lang="en-US" altLang="ko-KR" dirty="0"/>
-              <a:t>Load Imbalance issue of MQMS</a:t>
+              <a:t>Load Imbalance Issue of MQMS</a:t>
             </a:r>
             <a:endParaRPr lang="ko-KR" altLang="en-US" dirty="0"/>
           </a:p>
@@ -9353,7 +9343,7 @@
           <a:p>
             <a:r>
               <a:rPr lang="en-US" altLang="ko-KR" dirty="0"/>
-              <a:t>After job C in Q0 finishes:</a:t>
+              <a:t>After process C in Q0 finishes:</a:t>
             </a:r>
           </a:p>
           <a:p>
@@ -9371,7 +9361,7 @@
           <a:p>
             <a:r>
               <a:rPr lang="en-US" altLang="ko-KR" dirty="0"/>
-              <a:t>After job A in Q0 finishes:</a:t>
+              <a:t>After process A in Q0 finishes:</a:t>
             </a:r>
             <a:endParaRPr lang="ko-KR" altLang="en-US" dirty="0"/>
           </a:p>
@@ -11941,7 +11931,7 @@
           <a:p>
             <a:r>
               <a:rPr lang="en-US" altLang="ko-KR" dirty="0"/>
-              <a:t>The answer is to move jobs (</a:t>
+              <a:t>The answer is to move processes (</a:t>
             </a:r>
             <a:r>
               <a:rPr lang="en-US" altLang="ko-KR" b="1" dirty="0"/>
@@ -11949,7 +11939,7 @@
             </a:r>
             <a:r>
               <a:rPr lang="en-US" altLang="ko-KR" dirty="0"/>
-              <a:t>).</a:t>
+              <a:t>)</a:t>
             </a:r>
           </a:p>
           <a:p>
@@ -13303,7 +13293,7 @@
             <a:pPr lvl="1"/>
             <a:r>
               <a:rPr lang="en-US" altLang="ko-KR" dirty="0"/>
-              <a:t>Keep switching jobs (continuously)</a:t>
+              <a:t>Keep switching processes (continuously)</a:t>
             </a:r>
             <a:endParaRPr lang="ko-KR" altLang="en-US" dirty="0"/>
           </a:p>
@@ -15234,7 +15224,7 @@
           <a:p>
             <a:r>
               <a:rPr lang="en-US" altLang="ko-KR" dirty="0"/>
-              <a:t>Move jobs between queues</a:t>
+              <a:t>Move processes between queues</a:t>
             </a:r>
           </a:p>
           <a:p>
@@ -15252,7 +15242,7 @@
             </a:r>
             <a:r>
               <a:rPr lang="en-US" altLang="ko-KR" u="sng" dirty="0"/>
-              <a:t>low on jobs</a:t>
+              <a:t>low on processes</a:t>
             </a:r>
             <a:r>
               <a:rPr lang="en-US" altLang="ko-KR" dirty="0"/>
@@ -15286,7 +15276,7 @@
             </a:r>
             <a:r>
               <a:rPr lang="en-US" altLang="ko-KR" dirty="0"/>
-              <a:t>” one or more jobs from the target queue</a:t>
+              <a:t>” one or more processes from the target queue</a:t>
             </a:r>
           </a:p>
           <a:p>
@@ -15570,6 +15560,309 @@
 </p:sld>
 </file>
 
+<file path=ppt/slides/slide23.xml><?xml version="1.0" encoding="utf-8"?>
+<p:sld xmlns:a="http://schemas.openxmlformats.org/drawingml/2006/main" xmlns:r="http://schemas.openxmlformats.org/officeDocument/2006/relationships" xmlns:p="http://schemas.openxmlformats.org/presentationml/2006/main">
+  <p:cSld>
+    <p:spTree>
+      <p:nvGrpSpPr>
+        <p:cNvPr id="1" name=""/>
+        <p:cNvGrpSpPr/>
+        <p:nvPr/>
+      </p:nvGrpSpPr>
+      <p:grpSpPr>
+        <a:xfrm>
+          <a:off x="0" y="0"/>
+          <a:ext cx="0" cy="0"/>
+          <a:chOff x="0" y="0"/>
+          <a:chExt cx="0" cy="0"/>
+        </a:xfrm>
+      </p:grpSpPr>
+      <p:sp>
+        <p:nvSpPr>
+          <p:cNvPr id="3" name="Title 2">
+            <a:extLst>
+              <a:ext uri="{FF2B5EF4-FFF2-40B4-BE49-F238E27FC236}">
+                <a16:creationId xmlns:a16="http://schemas.microsoft.com/office/drawing/2014/main" id="{11FCBED8-C3F9-4969-9888-461FB76933BA}"/>
+              </a:ext>
+            </a:extLst>
+          </p:cNvPr>
+          <p:cNvSpPr>
+            <a:spLocks noGrp="1"/>
+          </p:cNvSpPr>
+          <p:nvPr>
+            <p:ph type="title"/>
+          </p:nvPr>
+        </p:nvSpPr>
+        <p:spPr/>
+        <p:txBody>
+          <a:bodyPr/>
+          <a:lstStyle/>
+          <a:p>
+            <a:r>
+              <a:rPr lang="en-US" dirty="0"/>
+              <a:t>Useful </a:t>
+            </a:r>
+            <a:r>
+              <a:rPr lang="en-US" dirty="0" err="1"/>
+              <a:t>linux</a:t>
+            </a:r>
+            <a:r>
+              <a:rPr lang="en-US" dirty="0"/>
+              <a:t> commands related to scheduling</a:t>
+            </a:r>
+            <a:endParaRPr lang="en-PH" dirty="0"/>
+          </a:p>
+        </p:txBody>
+      </p:sp>
+      <p:sp>
+        <p:nvSpPr>
+          <p:cNvPr id="4" name="Content Placeholder 3">
+            <a:extLst>
+              <a:ext uri="{FF2B5EF4-FFF2-40B4-BE49-F238E27FC236}">
+                <a16:creationId xmlns:a16="http://schemas.microsoft.com/office/drawing/2014/main" id="{150D4B48-F33D-4C9F-B4CF-76613CE6F111}"/>
+              </a:ext>
+            </a:extLst>
+          </p:cNvPr>
+          <p:cNvSpPr>
+            <a:spLocks noGrp="1"/>
+          </p:cNvSpPr>
+          <p:nvPr>
+            <p:ph idx="1"/>
+          </p:nvPr>
+        </p:nvSpPr>
+        <p:spPr/>
+        <p:txBody>
+          <a:bodyPr/>
+          <a:lstStyle/>
+          <a:p>
+            <a:r>
+              <a:rPr lang="en-US" sz="1800" dirty="0">
+                <a:latin typeface="Courier New" panose="02070309020205020404" pitchFamily="49" charset="0"/>
+                <a:cs typeface="Courier New" panose="02070309020205020404" pitchFamily="49" charset="0"/>
+              </a:rPr>
+              <a:t>cat /proc/</a:t>
+            </a:r>
+            <a:r>
+              <a:rPr lang="en-US" sz="1800" dirty="0" err="1">
+                <a:latin typeface="Courier New" panose="02070309020205020404" pitchFamily="49" charset="0"/>
+                <a:cs typeface="Courier New" panose="02070309020205020404" pitchFamily="49" charset="0"/>
+              </a:rPr>
+              <a:t>sched_debug</a:t>
+            </a:r>
+            <a:r>
+              <a:rPr lang="en-US" sz="1800" dirty="0">
+                <a:latin typeface="Courier New" panose="02070309020205020404" pitchFamily="49" charset="0"/>
+                <a:cs typeface="Courier New" panose="02070309020205020404" pitchFamily="49" charset="0"/>
+              </a:rPr>
+              <a:t>		#show sched stats for system</a:t>
+            </a:r>
+          </a:p>
+          <a:p>
+            <a:r>
+              <a:rPr lang="en-US" sz="1800" dirty="0">
+                <a:latin typeface="Courier New" panose="02070309020205020404" pitchFamily="49" charset="0"/>
+                <a:cs typeface="Courier New" panose="02070309020205020404" pitchFamily="49" charset="0"/>
+              </a:rPr>
+              <a:t>cat /proc/`</a:t>
+            </a:r>
+            <a:r>
+              <a:rPr lang="en-US" sz="1800" dirty="0" err="1">
+                <a:latin typeface="Courier New" panose="02070309020205020404" pitchFamily="49" charset="0"/>
+                <a:cs typeface="Courier New" panose="02070309020205020404" pitchFamily="49" charset="0"/>
+              </a:rPr>
+              <a:t>pidof</a:t>
+            </a:r>
+            <a:r>
+              <a:rPr lang="en-US" sz="1800" dirty="0">
+                <a:latin typeface="Courier New" panose="02070309020205020404" pitchFamily="49" charset="0"/>
+                <a:cs typeface="Courier New" panose="02070309020205020404" pitchFamily="49" charset="0"/>
+              </a:rPr>
+              <a:t> threads`/sched     #show scheduling stats for process</a:t>
+            </a:r>
+          </a:p>
+          <a:p>
+            <a:r>
+              <a:rPr lang="en-US" sz="1800" dirty="0" err="1">
+                <a:latin typeface="Courier New" panose="02070309020205020404" pitchFamily="49" charset="0"/>
+                <a:cs typeface="Courier New" panose="02070309020205020404" pitchFamily="49" charset="0"/>
+              </a:rPr>
+              <a:t>ps</a:t>
+            </a:r>
+            <a:r>
+              <a:rPr lang="en-US" sz="1800" dirty="0">
+                <a:latin typeface="Courier New" panose="02070309020205020404" pitchFamily="49" charset="0"/>
+                <a:cs typeface="Courier New" panose="02070309020205020404" pitchFamily="49" charset="0"/>
+              </a:rPr>
+              <a:t> -o </a:t>
+            </a:r>
+            <a:r>
+              <a:rPr lang="en-US" sz="1800" dirty="0" err="1">
+                <a:latin typeface="Courier New" panose="02070309020205020404" pitchFamily="49" charset="0"/>
+                <a:cs typeface="Courier New" panose="02070309020205020404" pitchFamily="49" charset="0"/>
+              </a:rPr>
+              <a:t>thcount,nlwp</a:t>
+            </a:r>
+            <a:r>
+              <a:rPr lang="en-US" sz="1800" dirty="0">
+                <a:latin typeface="Courier New" panose="02070309020205020404" pitchFamily="49" charset="0"/>
+                <a:cs typeface="Courier New" panose="02070309020205020404" pitchFamily="49" charset="0"/>
+              </a:rPr>
+              <a:t> `</a:t>
+            </a:r>
+            <a:r>
+              <a:rPr lang="en-US" sz="1800" dirty="0" err="1">
+                <a:latin typeface="Courier New" panose="02070309020205020404" pitchFamily="49" charset="0"/>
+                <a:cs typeface="Courier New" panose="02070309020205020404" pitchFamily="49" charset="0"/>
+              </a:rPr>
+              <a:t>pidof</a:t>
+            </a:r>
+            <a:r>
+              <a:rPr lang="en-US" sz="1800" dirty="0">
+                <a:latin typeface="Courier New" panose="02070309020205020404" pitchFamily="49" charset="0"/>
+                <a:cs typeface="Courier New" panose="02070309020205020404" pitchFamily="49" charset="0"/>
+              </a:rPr>
+              <a:t> threads`   #show the number of threads</a:t>
+            </a:r>
+          </a:p>
+          <a:p>
+            <a:r>
+              <a:rPr lang="en-US" sz="1800" dirty="0" err="1">
+                <a:latin typeface="Courier New" panose="02070309020205020404" pitchFamily="49" charset="0"/>
+                <a:cs typeface="Courier New" panose="02070309020205020404" pitchFamily="49" charset="0"/>
+              </a:rPr>
+              <a:t>ps</a:t>
+            </a:r>
+            <a:r>
+              <a:rPr lang="en-US" sz="1800" dirty="0">
+                <a:latin typeface="Courier New" panose="02070309020205020404" pitchFamily="49" charset="0"/>
+                <a:cs typeface="Courier New" panose="02070309020205020404" pitchFamily="49" charset="0"/>
+              </a:rPr>
+              <a:t> -L -p `</a:t>
+            </a:r>
+            <a:r>
+              <a:rPr lang="en-US" sz="1800" dirty="0" err="1">
+                <a:latin typeface="Courier New" panose="02070309020205020404" pitchFamily="49" charset="0"/>
+                <a:cs typeface="Courier New" panose="02070309020205020404" pitchFamily="49" charset="0"/>
+              </a:rPr>
+              <a:t>pidof</a:t>
+            </a:r>
+            <a:r>
+              <a:rPr lang="en-US" sz="1800" dirty="0">
+                <a:latin typeface="Courier New" panose="02070309020205020404" pitchFamily="49" charset="0"/>
+                <a:cs typeface="Courier New" panose="02070309020205020404" pitchFamily="49" charset="0"/>
+              </a:rPr>
+              <a:t> threads`             #show thread/LWP ids </a:t>
+            </a:r>
+          </a:p>
+          <a:p>
+            <a:r>
+              <a:rPr lang="en-US" sz="1800" dirty="0" err="1">
+                <a:latin typeface="Courier New" panose="02070309020205020404" pitchFamily="49" charset="0"/>
+                <a:cs typeface="Courier New" panose="02070309020205020404" pitchFamily="49" charset="0"/>
+              </a:rPr>
+              <a:t>ps</a:t>
+            </a:r>
+            <a:r>
+              <a:rPr lang="en-US" sz="1800" dirty="0">
+                <a:latin typeface="Courier New" panose="02070309020205020404" pitchFamily="49" charset="0"/>
+                <a:cs typeface="Courier New" panose="02070309020205020404" pitchFamily="49" charset="0"/>
+              </a:rPr>
+              <a:t> -</a:t>
+            </a:r>
+            <a:r>
+              <a:rPr lang="en-US" sz="1800" dirty="0" err="1">
+                <a:latin typeface="Courier New" panose="02070309020205020404" pitchFamily="49" charset="0"/>
+                <a:cs typeface="Courier New" panose="02070309020205020404" pitchFamily="49" charset="0"/>
+              </a:rPr>
+              <a:t>mo</a:t>
+            </a:r>
+            <a:r>
+              <a:rPr lang="en-US" sz="1800" dirty="0">
+                <a:latin typeface="Courier New" panose="02070309020205020404" pitchFamily="49" charset="0"/>
+                <a:cs typeface="Courier New" panose="02070309020205020404" pitchFamily="49" charset="0"/>
+              </a:rPr>
+              <a:t> pid,</a:t>
+            </a:r>
+            <a:r>
+              <a:rPr lang="en-US" sz="1800" dirty="0" err="1">
+                <a:latin typeface="Courier New" panose="02070309020205020404" pitchFamily="49" charset="0"/>
+                <a:cs typeface="Courier New" panose="02070309020205020404" pitchFamily="49" charset="0"/>
+              </a:rPr>
+              <a:t>tid</a:t>
+            </a:r>
+            <a:r>
+              <a:rPr lang="en-US" sz="1800" dirty="0">
+                <a:latin typeface="Courier New" panose="02070309020205020404" pitchFamily="49" charset="0"/>
+                <a:cs typeface="Courier New" panose="02070309020205020404" pitchFamily="49" charset="0"/>
+              </a:rPr>
+              <a:t>,%</a:t>
+            </a:r>
+            <a:r>
+              <a:rPr lang="en-US" sz="1800" dirty="0" err="1">
+                <a:latin typeface="Courier New" panose="02070309020205020404" pitchFamily="49" charset="0"/>
+                <a:cs typeface="Courier New" panose="02070309020205020404" pitchFamily="49" charset="0"/>
+              </a:rPr>
+              <a:t>cpu,psr</a:t>
+            </a:r>
+            <a:r>
+              <a:rPr lang="en-US" sz="1800" dirty="0">
+                <a:latin typeface="Courier New" panose="02070309020205020404" pitchFamily="49" charset="0"/>
+                <a:cs typeface="Courier New" panose="02070309020205020404" pitchFamily="49" charset="0"/>
+              </a:rPr>
+              <a:t> `</a:t>
+            </a:r>
+            <a:r>
+              <a:rPr lang="en-US" sz="1800" dirty="0" err="1">
+                <a:latin typeface="Courier New" panose="02070309020205020404" pitchFamily="49" charset="0"/>
+                <a:cs typeface="Courier New" panose="02070309020205020404" pitchFamily="49" charset="0"/>
+              </a:rPr>
+              <a:t>pidof</a:t>
+            </a:r>
+            <a:r>
+              <a:rPr lang="en-US" sz="1800" dirty="0">
+                <a:latin typeface="Courier New" panose="02070309020205020404" pitchFamily="49" charset="0"/>
+                <a:cs typeface="Courier New" panose="02070309020205020404" pitchFamily="49" charset="0"/>
+              </a:rPr>
+              <a:t> threads`    #show which core a thread is running</a:t>
+            </a:r>
+          </a:p>
+          <a:p>
+            <a:r>
+              <a:rPr lang="en-US" sz="1800" dirty="0">
+                <a:latin typeface="Courier New" panose="02070309020205020404" pitchFamily="49" charset="0"/>
+                <a:cs typeface="Courier New" panose="02070309020205020404" pitchFamily="49" charset="0"/>
+              </a:rPr>
+              <a:t>taskset -c 1 ./threads 1000000        # pin all threads to a core</a:t>
+            </a:r>
+            <a:endParaRPr lang="en-PH" sz="1800" dirty="0">
+              <a:latin typeface="Courier New" panose="02070309020205020404" pitchFamily="49" charset="0"/>
+              <a:cs typeface="Courier New" panose="02070309020205020404" pitchFamily="49" charset="0"/>
+            </a:endParaRPr>
+          </a:p>
+          <a:p>
+            <a:endParaRPr lang="en-PH" dirty="0">
+              <a:latin typeface="Courier New" panose="02070309020205020404" pitchFamily="49" charset="0"/>
+              <a:cs typeface="Courier New" panose="02070309020205020404" pitchFamily="49" charset="0"/>
+            </a:endParaRPr>
+          </a:p>
+        </p:txBody>
+      </p:sp>
+    </p:spTree>
+    <p:extLst>
+      <p:ext uri="{BB962C8B-B14F-4D97-AF65-F5344CB8AC3E}">
+        <p14:creationId xmlns:p14="http://schemas.microsoft.com/office/powerpoint/2010/main" val="3868778526"/>
+      </p:ext>
+    </p:extLst>
+  </p:cSld>
+  <p:clrMapOvr>
+    <a:masterClrMapping/>
+  </p:clrMapOvr>
+  <p:transition>
+    <p:zoom/>
+  </p:transition>
+</p:sld>
+</file>
+
 <file path=ppt/slides/slide3.xml><?xml version="1.0" encoding="utf-8"?>
 <p:sld xmlns:a="http://schemas.openxmlformats.org/drawingml/2006/main" xmlns:r="http://schemas.openxmlformats.org/officeDocument/2006/relationships" xmlns:p="http://schemas.openxmlformats.org/presentationml/2006/main">
   <p:cSld>
@@ -15816,7 +16109,7 @@
             </a:r>
             <a:r>
               <a:rPr lang="en-US" altLang="ko-KR" dirty="0"/>
-              <a:t>is the source of multiprocessor-scheduling proliferation.</a:t>
+              <a:t>is the source of multiprocessor-scheduling proliferation</a:t>
             </a:r>
           </a:p>
           <a:p>
@@ -15827,7 +16120,7 @@
             </a:r>
             <a:r>
               <a:rPr lang="en-US" altLang="ko-KR" dirty="0"/>
-              <a:t>: Multiple CPU cores are packed onto a single chip.</a:t>
+              <a:t>: Multiple CPU cores are packed onto a single chip</a:t>
             </a:r>
           </a:p>
           <a:p>
@@ -15837,7 +16130,7 @@
           <a:p>
             <a:r>
               <a:rPr lang="en-US" altLang="ko-KR" dirty="0"/>
-              <a:t>Adding more CPUs </a:t>
+              <a:t>Adding more cores </a:t>
             </a:r>
             <a:r>
               <a:rPr lang="en-US" altLang="ko-KR" u="sng" dirty="0"/>
@@ -15845,25 +16138,19 @@
             </a:r>
             <a:r>
               <a:rPr lang="en-US" altLang="ko-KR" dirty="0"/>
-              <a:t> make that single application run faster. </a:t>
+              <a:t> make that single application run faster </a:t>
             </a:r>
             <a:r>
               <a:rPr lang="en-US" altLang="ko-KR" dirty="0">
                 <a:sym typeface="Wingdings" pitchFamily="2" charset="2"/>
               </a:rPr>
-              <a:t> You’ll have to rewrite application to run in parallel, using </a:t>
+              <a:t> You’ll have to rewrite the application to run in parallel, using </a:t>
             </a:r>
             <a:r>
               <a:rPr lang="en-US" altLang="ko-KR" b="1" dirty="0">
                 <a:sym typeface="Wingdings" pitchFamily="2" charset="2"/>
               </a:rPr>
               <a:t>threads</a:t>
-            </a:r>
-            <a:r>
-              <a:rPr lang="en-US" altLang="ko-KR" dirty="0">
-                <a:sym typeface="Wingdings" pitchFamily="2" charset="2"/>
-              </a:rPr>
-              <a:t>.</a:t>
             </a:r>
             <a:endParaRPr lang="en-US" altLang="ko-KR" dirty="0"/>
           </a:p>
@@ -15939,7 +16226,7 @@
                 <a:latin typeface="맑은 고딕" panose="020B0503020000020004" pitchFamily="50" charset="-127"/>
                 <a:ea typeface="맑은 고딕" panose="020B0503020000020004" pitchFamily="50" charset="-127"/>
               </a:rPr>
-              <a:t>Multiple CPUs</a:t>
+              <a:t>Multiple cores</a:t>
             </a:r>
             <a:r>
               <a:rPr lang="en-US" altLang="ko-KR" sz="1600" b="1" dirty="0">
@@ -16300,7 +16587,7 @@
                 <a:latin typeface="맑은 고딕" panose="020B0503020000020004" pitchFamily="50" charset="-127"/>
                 <a:ea typeface="맑은 고딕" panose="020B0503020000020004" pitchFamily="50" charset="-127"/>
               </a:rPr>
-              <a:t>By keeping data in cache, the system can make slow memory </a:t>
+              <a:t>By keeping data in cache, the system can make slow main memory access </a:t>
             </a:r>
             <a:r>
               <a:rPr lang="en-US" altLang="ko-KR" sz="1600" b="1" dirty="0">
@@ -20186,8 +20473,8 @@
           </a:fontRef>
         </p:style>
       </p:cxnSp>
-      <mc:AlternateContent xmlns:mc="http://schemas.openxmlformats.org/markup-compatibility/2006">
-        <mc:Choice xmlns:a14="http://schemas.microsoft.com/office/drawing/2010/main" Requires="a14">
+      <mc:AlternateContent xmlns:mc="http://schemas.openxmlformats.org/markup-compatibility/2006" xmlns:a14="http://schemas.microsoft.com/office/drawing/2010/main">
+        <mc:Choice Requires="a14">
           <p:sp>
             <p:nvSpPr>
               <p:cNvPr id="22" name="TextBox 21"/>
@@ -20297,7 +20584,7 @@
             </p:txBody>
           </p:sp>
         </mc:Choice>
-        <mc:Fallback>
+        <mc:Fallback xmlns="">
           <p:sp>
             <p:nvSpPr>
               <p:cNvPr id="22" name="TextBox 21"/>
@@ -20366,7 +20653,7 @@
                 <a:latin typeface="맑은 고딕" pitchFamily="50" charset="-127"/>
                 <a:ea typeface="맑은 고딕" pitchFamily="50" charset="-127"/>
               </a:rPr>
-              <a:t>3. CPU1 re-reads the value at address A</a:t>
+              <a:t>3. CPU1 re-reads the value at address 1</a:t>
             </a:r>
             <a:endParaRPr lang="ko-KR" altLang="en-US" sz="1600" dirty="0">
               <a:solidFill>
@@ -22370,8 +22657,8 @@
           </p:sp>
         </mc:Fallback>
       </mc:AlternateContent>
-      <mc:AlternateContent xmlns:mc="http://schemas.openxmlformats.org/markup-compatibility/2006">
-        <mc:Choice xmlns:a14="http://schemas.microsoft.com/office/drawing/2010/main" Requires="a14">
+      <mc:AlternateContent xmlns:mc="http://schemas.openxmlformats.org/markup-compatibility/2006" xmlns:a14="http://schemas.microsoft.com/office/drawing/2010/main">
+        <mc:Choice Requires="a14">
           <p:sp>
             <p:nvSpPr>
               <p:cNvPr id="75" name="모서리가 둥근 직사각형 74"/>
@@ -22513,7 +22800,7 @@
             </p:txBody>
           </p:sp>
         </mc:Choice>
-        <mc:Fallback>
+        <mc:Fallback xmlns="">
           <p:sp>
             <p:nvSpPr>
               <p:cNvPr id="75" name="모서리가 둥근 직사각형 74"/>
